--- a/OHM Course/OH Canvas - Mini wind tunnel.pptx
+++ b/OHM Course/OH Canvas - Mini wind tunnel.pptx
@@ -273,7 +273,7 @@
   <pc:docChgLst>
     <pc:chgData name="Samuel Bull" userId="13b61517-8e42-4b31-b833-4a94816bca9b" providerId="ADAL" clId="{32A238BE-7F2F-4A07-B9A7-21CC242D4BA8}"/>
     <pc:docChg chg="undo custSel delSld modSld">
-      <pc:chgData name="Samuel Bull" userId="13b61517-8e42-4b31-b833-4a94816bca9b" providerId="ADAL" clId="{32A238BE-7F2F-4A07-B9A7-21CC242D4BA8}" dt="2022-10-16T17:22:44.274" v="1608" actId="113"/>
+      <pc:chgData name="Samuel Bull" userId="13b61517-8e42-4b31-b833-4a94816bca9b" providerId="ADAL" clId="{32A238BE-7F2F-4A07-B9A7-21CC242D4BA8}" dt="2022-11-09T16:25:18.152" v="1643" actId="20577"/>
       <pc:docMkLst>
         <pc:docMk/>
       </pc:docMkLst>
@@ -285,7 +285,7 @@
         </pc:sldMkLst>
       </pc:sldChg>
       <pc:sldChg chg="modSp mod">
-        <pc:chgData name="Samuel Bull" userId="13b61517-8e42-4b31-b833-4a94816bca9b" providerId="ADAL" clId="{32A238BE-7F2F-4A07-B9A7-21CC242D4BA8}" dt="2022-10-16T17:22:44.274" v="1608" actId="113"/>
+        <pc:chgData name="Samuel Bull" userId="13b61517-8e42-4b31-b833-4a94816bca9b" providerId="ADAL" clId="{32A238BE-7F2F-4A07-B9A7-21CC242D4BA8}" dt="2022-11-09T16:25:18.152" v="1643" actId="20577"/>
         <pc:sldMkLst>
           <pc:docMk/>
           <pc:sldMk cId="0" sldId="257"/>
@@ -296,6 +296,14 @@
             <pc:docMk/>
             <pc:sldMk cId="0" sldId="257"/>
             <ac:spMk id="59" creationId="{00000000-0000-0000-0000-000000000000}"/>
+          </ac:spMkLst>
+        </pc:spChg>
+        <pc:spChg chg="mod">
+          <ac:chgData name="Samuel Bull" userId="13b61517-8e42-4b31-b833-4a94816bca9b" providerId="ADAL" clId="{32A238BE-7F2F-4A07-B9A7-21CC242D4BA8}" dt="2022-11-09T16:25:18.152" v="1643" actId="20577"/>
+          <ac:spMkLst>
+            <pc:docMk/>
+            <pc:sldMk cId="0" sldId="257"/>
+            <ac:spMk id="64" creationId="{00000000-0000-0000-0000-000000000000}"/>
           </ac:spMkLst>
         </pc:spChg>
         <pc:spChg chg="mod">
